--- a/3 semester/디지털경제와 경영전략/중간발표/오픈테이블 사례연구(1조)_이현호.pptx
+++ b/3 semester/디지털경제와 경영전략/중간발표/오픈테이블 사례연구(1조)_이현호.pptx
@@ -5,10 +5,11 @@
     <p:sldMasterId id="2147483648" r:id="rId1"/>
   </p:sldMasterIdLst>
   <p:notesMasterIdLst>
-    <p:notesMasterId r:id="rId3"/>
+    <p:notesMasterId r:id="rId4"/>
   </p:notesMasterIdLst>
   <p:sldIdLst>
-    <p:sldId id="263" r:id="rId2"/>
+    <p:sldId id="264" r:id="rId2"/>
+    <p:sldId id="263" r:id="rId3"/>
   </p:sldIdLst>
   <p:sldSz cx="12192000" cy="6858000"/>
   <p:notesSz cx="6858000" cy="9144000"/>
@@ -209,7 +210,7 @@
           <a:p>
             <a:fld id="{61F354DB-31C9-4029-BE5C-1A32329092CB}" type="datetimeFigureOut">
               <a:rPr lang="ko-KR" altLang="en-US" smtClean="0"/>
-              <a:t>2018-09-29</a:t>
+              <a:t>2018-10-01</a:t>
             </a:fld>
             <a:endParaRPr lang="ko-KR" altLang="en-US"/>
           </a:p>
@@ -521,6 +522,966 @@
           <a:lstStyle/>
           <a:p>
             <a:r>
+              <a:rPr lang="en-US" altLang="ko-KR" sz="1200" b="0" i="0" kern="1200" dirty="0" smtClean="0">
+                <a:solidFill>
+                  <a:schemeClr val="tx1"/>
+                </a:solidFill>
+                <a:effectLst/>
+                <a:latin typeface="+mn-lt"/>
+                <a:ea typeface="+mn-ea"/>
+                <a:cs typeface="+mn-cs"/>
+              </a:rPr>
+              <a:t>1998</a:t>
+            </a:r>
+            <a:r>
+              <a:rPr lang="ko-KR" altLang="en-US" sz="1200" b="0" i="0" kern="1200" dirty="0" smtClean="0">
+                <a:solidFill>
+                  <a:schemeClr val="tx1"/>
+                </a:solidFill>
+                <a:effectLst/>
+                <a:latin typeface="+mn-lt"/>
+                <a:ea typeface="+mn-ea"/>
+                <a:cs typeface="+mn-cs"/>
+              </a:rPr>
+              <a:t>년 척 </a:t>
+            </a:r>
+            <a:r>
+              <a:rPr lang="ko-KR" altLang="en-US" sz="1200" b="0" i="0" kern="1200" dirty="0" err="1" smtClean="0">
+                <a:solidFill>
+                  <a:schemeClr val="tx1"/>
+                </a:solidFill>
+                <a:effectLst/>
+                <a:latin typeface="+mn-lt"/>
+                <a:ea typeface="+mn-ea"/>
+                <a:cs typeface="+mn-cs"/>
+              </a:rPr>
+              <a:t>템플턴이</a:t>
+            </a:r>
+            <a:r>
+              <a:rPr lang="ko-KR" altLang="en-US" sz="1200" b="0" i="0" kern="1200" dirty="0" smtClean="0">
+                <a:solidFill>
+                  <a:schemeClr val="tx1"/>
+                </a:solidFill>
+                <a:effectLst/>
+                <a:latin typeface="+mn-lt"/>
+                <a:ea typeface="+mn-ea"/>
+                <a:cs typeface="+mn-cs"/>
+              </a:rPr>
+              <a:t> 설립한 온라인 </a:t>
+            </a:r>
+            <a:r>
+              <a:rPr lang="ko-KR" altLang="en-US" sz="1200" b="0" i="0" kern="1200" dirty="0" err="1" smtClean="0">
+                <a:solidFill>
+                  <a:schemeClr val="tx1"/>
+                </a:solidFill>
+                <a:effectLst/>
+                <a:latin typeface="+mn-lt"/>
+                <a:ea typeface="+mn-ea"/>
+                <a:cs typeface="+mn-cs"/>
+              </a:rPr>
+              <a:t>식당예약</a:t>
+            </a:r>
+            <a:r>
+              <a:rPr lang="ko-KR" altLang="en-US" sz="1200" b="0" i="0" kern="1200" dirty="0" smtClean="0">
+                <a:solidFill>
+                  <a:schemeClr val="tx1"/>
+                </a:solidFill>
+                <a:effectLst/>
+                <a:latin typeface="+mn-lt"/>
+                <a:ea typeface="+mn-ea"/>
+                <a:cs typeface="+mn-cs"/>
+              </a:rPr>
+              <a:t> 서비스업체 오픈테이블의 사례를 보자</a:t>
+            </a:r>
+            <a:r>
+              <a:rPr lang="en-US" altLang="ko-KR" sz="1200" b="0" i="0" kern="1200" dirty="0" smtClean="0">
+                <a:solidFill>
+                  <a:schemeClr val="tx1"/>
+                </a:solidFill>
+                <a:effectLst/>
+                <a:latin typeface="+mn-lt"/>
+                <a:ea typeface="+mn-ea"/>
+                <a:cs typeface="+mn-cs"/>
+              </a:rPr>
+              <a:t>. </a:t>
+            </a:r>
+            <a:r>
+              <a:rPr lang="ko-KR" altLang="en-US" sz="1200" b="0" i="0" kern="1200" dirty="0" err="1" smtClean="0">
+                <a:solidFill>
+                  <a:schemeClr val="tx1"/>
+                </a:solidFill>
+                <a:effectLst/>
+                <a:latin typeface="+mn-lt"/>
+                <a:ea typeface="+mn-ea"/>
+                <a:cs typeface="+mn-cs"/>
+              </a:rPr>
+              <a:t>템플턴은</a:t>
+            </a:r>
+            <a:r>
+              <a:rPr lang="ko-KR" altLang="en-US" sz="1200" b="0" i="0" kern="1200" dirty="0" smtClean="0">
+                <a:solidFill>
+                  <a:schemeClr val="tx1"/>
+                </a:solidFill>
+                <a:effectLst/>
+                <a:latin typeface="+mn-lt"/>
+                <a:ea typeface="+mn-ea"/>
+                <a:cs typeface="+mn-cs"/>
+              </a:rPr>
+              <a:t> 전화로 레스토랑에 저녁식사를 예약하는 단순한 일이 결코 쉽지 않다는 점에 착안해</a:t>
+            </a:r>
+            <a:r>
+              <a:rPr lang="en-US" altLang="ko-KR" sz="1200" b="0" i="0" kern="1200" dirty="0" smtClean="0">
+                <a:solidFill>
+                  <a:schemeClr val="tx1"/>
+                </a:solidFill>
+                <a:effectLst/>
+                <a:latin typeface="+mn-lt"/>
+                <a:ea typeface="+mn-ea"/>
+                <a:cs typeface="+mn-cs"/>
+              </a:rPr>
+              <a:t>, </a:t>
+            </a:r>
+            <a:r>
+              <a:rPr lang="ko-KR" altLang="en-US" sz="1200" b="0" i="0" kern="1200" dirty="0" smtClean="0">
+                <a:solidFill>
+                  <a:schemeClr val="tx1"/>
+                </a:solidFill>
+                <a:effectLst/>
+                <a:latin typeface="+mn-lt"/>
+                <a:ea typeface="+mn-ea"/>
+                <a:cs typeface="+mn-cs"/>
+              </a:rPr>
+              <a:t>예약 플랫폼과 함께 레스토랑 좌석 관리 문제를 성공적으로 해결해 주는 온라인 중개 서비스를 구상했다</a:t>
+            </a:r>
+            <a:r>
+              <a:rPr lang="en-US" altLang="ko-KR" sz="1200" b="0" i="0" kern="1200" dirty="0" smtClean="0">
+                <a:solidFill>
+                  <a:schemeClr val="tx1"/>
+                </a:solidFill>
+                <a:effectLst/>
+                <a:latin typeface="+mn-lt"/>
+                <a:ea typeface="+mn-ea"/>
+                <a:cs typeface="+mn-cs"/>
+              </a:rPr>
+              <a:t>. </a:t>
+            </a:r>
+            <a:r>
+              <a:rPr lang="ko-KR" altLang="en-US" sz="1200" b="0" i="0" kern="1200" dirty="0" err="1" smtClean="0">
+                <a:solidFill>
+                  <a:schemeClr val="tx1"/>
+                </a:solidFill>
+                <a:effectLst/>
+                <a:latin typeface="+mn-lt"/>
+                <a:ea typeface="+mn-ea"/>
+                <a:cs typeface="+mn-cs"/>
+              </a:rPr>
+              <a:t>템플턴은</a:t>
+            </a:r>
+            <a:r>
+              <a:rPr lang="ko-KR" altLang="en-US" sz="1200" b="0" i="0" kern="1200" dirty="0" smtClean="0">
+                <a:solidFill>
+                  <a:schemeClr val="tx1"/>
+                </a:solidFill>
+                <a:effectLst/>
+                <a:latin typeface="+mn-lt"/>
+                <a:ea typeface="+mn-ea"/>
+                <a:cs typeface="+mn-cs"/>
+              </a:rPr>
+              <a:t> 레스토랑 예약 프로세스와 좌석 및 관리 소프트웨어를 결합한 시스템을 만들기로 결정했다</a:t>
+            </a:r>
+            <a:r>
+              <a:rPr lang="en-US" altLang="ko-KR" sz="1200" b="0" i="0" kern="1200" dirty="0" smtClean="0">
+                <a:solidFill>
+                  <a:schemeClr val="tx1"/>
+                </a:solidFill>
+                <a:effectLst/>
+                <a:latin typeface="+mn-lt"/>
+                <a:ea typeface="+mn-ea"/>
+                <a:cs typeface="+mn-cs"/>
+              </a:rPr>
+              <a:t>. </a:t>
+            </a:r>
+            <a:r>
+              <a:rPr lang="ko-KR" altLang="en-US" sz="1200" b="0" i="0" kern="1200" dirty="0" smtClean="0">
+                <a:solidFill>
+                  <a:schemeClr val="tx1"/>
+                </a:solidFill>
+                <a:effectLst/>
+                <a:latin typeface="+mn-lt"/>
+                <a:ea typeface="+mn-ea"/>
+                <a:cs typeface="+mn-cs"/>
+              </a:rPr>
+              <a:t>이렇게 되면 </a:t>
+            </a:r>
+            <a:r>
+              <a:rPr lang="en-US" altLang="ko-KR" sz="1200" b="0" i="0" kern="1200" dirty="0" smtClean="0">
+                <a:solidFill>
+                  <a:schemeClr val="tx1"/>
+                </a:solidFill>
+                <a:effectLst/>
+                <a:latin typeface="+mn-lt"/>
+                <a:ea typeface="+mn-ea"/>
+                <a:cs typeface="+mn-cs"/>
+              </a:rPr>
+              <a:t>IBM, NCR </a:t>
+            </a:r>
+            <a:r>
+              <a:rPr lang="ko-KR" altLang="en-US" sz="1200" b="0" i="0" kern="1200" dirty="0" smtClean="0">
+                <a:solidFill>
+                  <a:schemeClr val="tx1"/>
+                </a:solidFill>
+                <a:effectLst/>
+                <a:latin typeface="+mn-lt"/>
+                <a:ea typeface="+mn-ea"/>
+                <a:cs typeface="+mn-cs"/>
+              </a:rPr>
+              <a:t>같은 기존 </a:t>
+            </a:r>
+            <a:r>
+              <a:rPr lang="ko-KR" altLang="en-US" sz="1200" b="0" i="0" kern="1200" dirty="0" err="1" smtClean="0">
+                <a:solidFill>
+                  <a:schemeClr val="tx1"/>
+                </a:solidFill>
+                <a:effectLst/>
+                <a:latin typeface="+mn-lt"/>
+                <a:ea typeface="+mn-ea"/>
+                <a:cs typeface="+mn-cs"/>
+              </a:rPr>
+              <a:t>결제단말기</a:t>
+            </a:r>
+            <a:r>
+              <a:rPr lang="ko-KR" altLang="en-US" sz="1200" b="0" i="0" kern="1200" dirty="0" smtClean="0">
+                <a:solidFill>
+                  <a:schemeClr val="tx1"/>
+                </a:solidFill>
+                <a:effectLst/>
+                <a:latin typeface="+mn-lt"/>
+                <a:ea typeface="+mn-ea"/>
+                <a:cs typeface="+mn-cs"/>
+              </a:rPr>
+              <a:t> </a:t>
+            </a:r>
+            <a:r>
+              <a:rPr lang="ko-KR" altLang="en-US" sz="1200" b="0" i="0" kern="1200" dirty="0" err="1" smtClean="0">
+                <a:solidFill>
+                  <a:schemeClr val="tx1"/>
+                </a:solidFill>
+                <a:effectLst/>
+                <a:latin typeface="+mn-lt"/>
+                <a:ea typeface="+mn-ea"/>
+                <a:cs typeface="+mn-cs"/>
+              </a:rPr>
+              <a:t>판매기업과</a:t>
+            </a:r>
+            <a:r>
+              <a:rPr lang="ko-KR" altLang="en-US" sz="1200" b="0" i="0" kern="1200" dirty="0" smtClean="0">
+                <a:solidFill>
+                  <a:schemeClr val="tx1"/>
+                </a:solidFill>
+                <a:effectLst/>
+                <a:latin typeface="+mn-lt"/>
+                <a:ea typeface="+mn-ea"/>
+                <a:cs typeface="+mn-cs"/>
+              </a:rPr>
+              <a:t> 직접 맞붙을 수밖에 없었다</a:t>
+            </a:r>
+            <a:r>
+              <a:rPr lang="en-US" altLang="ko-KR" sz="1200" b="0" i="0" kern="1200" dirty="0" smtClean="0">
+                <a:solidFill>
+                  <a:schemeClr val="tx1"/>
+                </a:solidFill>
+                <a:effectLst/>
+                <a:latin typeface="+mn-lt"/>
+                <a:ea typeface="+mn-ea"/>
+                <a:cs typeface="+mn-cs"/>
+              </a:rPr>
+              <a:t>.</a:t>
+            </a:r>
+            <a:endParaRPr lang="ko-KR" altLang="en-US" sz="1200" b="0" i="0" kern="1200" dirty="0" smtClean="0">
+              <a:solidFill>
+                <a:schemeClr val="tx1"/>
+              </a:solidFill>
+              <a:effectLst/>
+              <a:latin typeface="+mn-lt"/>
+              <a:ea typeface="+mn-ea"/>
+              <a:cs typeface="+mn-cs"/>
+            </a:endParaRPr>
+          </a:p>
+          <a:p>
+            <a:r>
+              <a:rPr lang="ko-KR" altLang="en-US" sz="1200" b="0" i="0" kern="1200" dirty="0" smtClean="0">
+                <a:solidFill>
+                  <a:schemeClr val="tx1"/>
+                </a:solidFill>
+                <a:effectLst/>
+                <a:latin typeface="+mn-lt"/>
+                <a:ea typeface="+mn-ea"/>
+                <a:cs typeface="+mn-cs"/>
+              </a:rPr>
+              <a:t> </a:t>
+            </a:r>
+          </a:p>
+          <a:p>
+            <a:r>
+              <a:rPr lang="ko-KR" altLang="en-US" sz="1200" b="0" i="0" kern="1200" dirty="0" err="1" smtClean="0">
+                <a:solidFill>
+                  <a:schemeClr val="tx1"/>
+                </a:solidFill>
+                <a:effectLst/>
+                <a:latin typeface="+mn-lt"/>
+                <a:ea typeface="+mn-ea"/>
+                <a:cs typeface="+mn-cs"/>
+              </a:rPr>
+              <a:t>오픈테이블</a:t>
+            </a:r>
+            <a:r>
+              <a:rPr lang="ko-KR" altLang="en-US" sz="1200" b="0" i="0" kern="1200" dirty="0" smtClean="0">
+                <a:solidFill>
+                  <a:schemeClr val="tx1"/>
+                </a:solidFill>
+                <a:effectLst/>
+                <a:latin typeface="+mn-lt"/>
+                <a:ea typeface="+mn-ea"/>
+                <a:cs typeface="+mn-cs"/>
+              </a:rPr>
+              <a:t> 창업 초기는 “전기와 인터넷을 연결하기 위해 서까래 사이를 뚫고 지나가는 한 줄의 전선 </a:t>
+            </a:r>
+            <a:r>
+              <a:rPr lang="ko-KR" altLang="en-US" sz="1200" b="0" i="0" kern="1200" dirty="0" err="1" smtClean="0">
+                <a:solidFill>
+                  <a:schemeClr val="tx1"/>
+                </a:solidFill>
+                <a:effectLst/>
+                <a:latin typeface="+mn-lt"/>
+                <a:ea typeface="+mn-ea"/>
+                <a:cs typeface="+mn-cs"/>
+              </a:rPr>
+              <a:t>같았다”라고</a:t>
+            </a:r>
+            <a:r>
+              <a:rPr lang="ko-KR" altLang="en-US" sz="1200" b="0" i="0" kern="1200" dirty="0" smtClean="0">
+                <a:solidFill>
+                  <a:schemeClr val="tx1"/>
+                </a:solidFill>
+                <a:effectLst/>
+                <a:latin typeface="+mn-lt"/>
+                <a:ea typeface="+mn-ea"/>
+                <a:cs typeface="+mn-cs"/>
+              </a:rPr>
+              <a:t> </a:t>
+            </a:r>
+            <a:r>
+              <a:rPr lang="ko-KR" altLang="en-US" sz="1200" b="0" i="0" kern="1200" dirty="0" err="1" smtClean="0">
+                <a:solidFill>
+                  <a:schemeClr val="tx1"/>
+                </a:solidFill>
+                <a:effectLst/>
+                <a:latin typeface="+mn-lt"/>
+                <a:ea typeface="+mn-ea"/>
+                <a:cs typeface="+mn-cs"/>
+              </a:rPr>
+              <a:t>템플턴은</a:t>
+            </a:r>
+            <a:r>
+              <a:rPr lang="ko-KR" altLang="en-US" sz="1200" b="0" i="0" kern="1200" dirty="0" smtClean="0">
+                <a:solidFill>
+                  <a:schemeClr val="tx1"/>
+                </a:solidFill>
+                <a:effectLst/>
+                <a:latin typeface="+mn-lt"/>
+                <a:ea typeface="+mn-ea"/>
+                <a:cs typeface="+mn-cs"/>
+              </a:rPr>
+              <a:t> 회상한다</a:t>
+            </a:r>
+            <a:r>
+              <a:rPr lang="en-US" altLang="ko-KR" sz="1200" b="0" i="0" kern="1200" dirty="0" smtClean="0">
+                <a:solidFill>
+                  <a:schemeClr val="tx1"/>
+                </a:solidFill>
+                <a:effectLst/>
+                <a:latin typeface="+mn-lt"/>
+                <a:ea typeface="+mn-ea"/>
+                <a:cs typeface="+mn-cs"/>
+              </a:rPr>
+              <a:t>. </a:t>
+            </a:r>
+            <a:r>
+              <a:rPr lang="ko-KR" altLang="en-US" sz="1200" b="0" i="0" kern="1200" dirty="0" smtClean="0">
+                <a:solidFill>
+                  <a:schemeClr val="tx1"/>
+                </a:solidFill>
+                <a:effectLst/>
+                <a:latin typeface="+mn-lt"/>
+                <a:ea typeface="+mn-ea"/>
+                <a:cs typeface="+mn-cs"/>
+              </a:rPr>
+              <a:t>오픈테이블에 대한 시장의 관심을 유도하기 위해</a:t>
+            </a:r>
+            <a:r>
+              <a:rPr lang="en-US" altLang="ko-KR" sz="1200" b="0" i="0" kern="1200" dirty="0" smtClean="0">
+                <a:solidFill>
+                  <a:schemeClr val="tx1"/>
+                </a:solidFill>
+                <a:effectLst/>
+                <a:latin typeface="+mn-lt"/>
+                <a:ea typeface="+mn-ea"/>
+                <a:cs typeface="+mn-cs"/>
+              </a:rPr>
+              <a:t>, </a:t>
+            </a:r>
+            <a:r>
+              <a:rPr lang="ko-KR" altLang="en-US" sz="1200" b="0" i="0" kern="1200" dirty="0" smtClean="0">
+                <a:solidFill>
+                  <a:schemeClr val="tx1"/>
+                </a:solidFill>
+                <a:effectLst/>
+                <a:latin typeface="+mn-lt"/>
+                <a:ea typeface="+mn-ea"/>
+                <a:cs typeface="+mn-cs"/>
+              </a:rPr>
+              <a:t>그는 가장 영향력 있는 레스토랑부터 공략하기 시작했다</a:t>
+            </a:r>
+            <a:r>
+              <a:rPr lang="en-US" altLang="ko-KR" sz="1200" b="0" i="0" kern="1200" dirty="0" smtClean="0">
+                <a:solidFill>
+                  <a:schemeClr val="tx1"/>
+                </a:solidFill>
+                <a:effectLst/>
+                <a:latin typeface="+mn-lt"/>
+                <a:ea typeface="+mn-ea"/>
+                <a:cs typeface="+mn-cs"/>
+              </a:rPr>
+              <a:t>. “</a:t>
+            </a:r>
+            <a:r>
+              <a:rPr lang="ko-KR" altLang="en-US" sz="1200" b="0" i="0" kern="1200" dirty="0" smtClean="0">
+                <a:solidFill>
+                  <a:schemeClr val="tx1"/>
+                </a:solidFill>
+                <a:effectLst/>
+                <a:latin typeface="+mn-lt"/>
+                <a:ea typeface="+mn-ea"/>
+                <a:cs typeface="+mn-cs"/>
+              </a:rPr>
+              <a:t>샌프란시스코의 상위 </a:t>
+            </a:r>
+            <a:r>
+              <a:rPr lang="en-US" altLang="ko-KR" sz="1200" b="0" i="0" kern="1200" dirty="0" smtClean="0">
+                <a:solidFill>
+                  <a:schemeClr val="tx1"/>
+                </a:solidFill>
+                <a:effectLst/>
+                <a:latin typeface="+mn-lt"/>
+                <a:ea typeface="+mn-ea"/>
+                <a:cs typeface="+mn-cs"/>
+              </a:rPr>
+              <a:t>20</a:t>
+            </a:r>
+            <a:r>
+              <a:rPr lang="ko-KR" altLang="en-US" sz="1200" b="0" i="0" kern="1200" dirty="0" smtClean="0">
+                <a:solidFill>
+                  <a:schemeClr val="tx1"/>
+                </a:solidFill>
+                <a:effectLst/>
+                <a:latin typeface="+mn-lt"/>
+                <a:ea typeface="+mn-ea"/>
+                <a:cs typeface="+mn-cs"/>
+              </a:rPr>
+              <a:t>개 레스토랑을 유치할 수 있었죠</a:t>
+            </a:r>
+            <a:r>
+              <a:rPr lang="en-US" altLang="ko-KR" sz="1200" b="0" i="0" kern="1200" dirty="0" smtClean="0">
+                <a:solidFill>
+                  <a:schemeClr val="tx1"/>
+                </a:solidFill>
+                <a:effectLst/>
+                <a:latin typeface="+mn-lt"/>
+                <a:ea typeface="+mn-ea"/>
+                <a:cs typeface="+mn-cs"/>
+              </a:rPr>
+              <a:t>.” </a:t>
+            </a:r>
+            <a:r>
+              <a:rPr lang="ko-KR" altLang="en-US" sz="1200" b="0" i="0" kern="1200" dirty="0" err="1" smtClean="0">
+                <a:solidFill>
+                  <a:schemeClr val="tx1"/>
+                </a:solidFill>
+                <a:effectLst/>
+                <a:latin typeface="+mn-lt"/>
+                <a:ea typeface="+mn-ea"/>
+                <a:cs typeface="+mn-cs"/>
+              </a:rPr>
+              <a:t>템플턴은</a:t>
+            </a:r>
+            <a:r>
+              <a:rPr lang="ko-KR" altLang="en-US" sz="1200" b="0" i="0" kern="1200" dirty="0" smtClean="0">
+                <a:solidFill>
+                  <a:schemeClr val="tx1"/>
+                </a:solidFill>
+                <a:effectLst/>
+                <a:latin typeface="+mn-lt"/>
+                <a:ea typeface="+mn-ea"/>
+                <a:cs typeface="+mn-cs"/>
+              </a:rPr>
+              <a:t> 말한다</a:t>
+            </a:r>
+            <a:r>
+              <a:rPr lang="en-US" altLang="ko-KR" sz="1200" b="0" i="0" kern="1200" dirty="0" smtClean="0">
+                <a:solidFill>
+                  <a:schemeClr val="tx1"/>
+                </a:solidFill>
+                <a:effectLst/>
+                <a:latin typeface="+mn-lt"/>
+                <a:ea typeface="+mn-ea"/>
+                <a:cs typeface="+mn-cs"/>
+              </a:rPr>
+              <a:t>. “</a:t>
+            </a:r>
+            <a:r>
+              <a:rPr lang="ko-KR" altLang="en-US" sz="1200" b="0" i="0" kern="1200" dirty="0" smtClean="0">
+                <a:solidFill>
+                  <a:schemeClr val="tx1"/>
+                </a:solidFill>
+                <a:effectLst/>
+                <a:latin typeface="+mn-lt"/>
+                <a:ea typeface="+mn-ea"/>
+                <a:cs typeface="+mn-cs"/>
+              </a:rPr>
+              <a:t>그 다음 상위 </a:t>
+            </a:r>
+            <a:r>
+              <a:rPr lang="en-US" altLang="ko-KR" sz="1200" b="0" i="0" kern="1200" dirty="0" smtClean="0">
+                <a:solidFill>
+                  <a:schemeClr val="tx1"/>
+                </a:solidFill>
+                <a:effectLst/>
+                <a:latin typeface="+mn-lt"/>
+                <a:ea typeface="+mn-ea"/>
+                <a:cs typeface="+mn-cs"/>
+              </a:rPr>
+              <a:t>50</a:t>
+            </a:r>
+            <a:r>
+              <a:rPr lang="ko-KR" altLang="en-US" sz="1200" b="0" i="0" kern="1200" dirty="0" smtClean="0">
+                <a:solidFill>
+                  <a:schemeClr val="tx1"/>
+                </a:solidFill>
+                <a:effectLst/>
+                <a:latin typeface="+mn-lt"/>
+                <a:ea typeface="+mn-ea"/>
+                <a:cs typeface="+mn-cs"/>
+              </a:rPr>
+              <a:t>개 레스토랑도 상위 </a:t>
+            </a:r>
+            <a:r>
+              <a:rPr lang="en-US" altLang="ko-KR" sz="1200" b="0" i="0" kern="1200" dirty="0" smtClean="0">
+                <a:solidFill>
+                  <a:schemeClr val="tx1"/>
+                </a:solidFill>
+                <a:effectLst/>
+                <a:latin typeface="+mn-lt"/>
+                <a:ea typeface="+mn-ea"/>
+                <a:cs typeface="+mn-cs"/>
+              </a:rPr>
+              <a:t>20</a:t>
+            </a:r>
+            <a:r>
+              <a:rPr lang="ko-KR" altLang="en-US" sz="1200" b="0" i="0" kern="1200" dirty="0" smtClean="0">
+                <a:solidFill>
+                  <a:schemeClr val="tx1"/>
+                </a:solidFill>
+                <a:effectLst/>
+                <a:latin typeface="+mn-lt"/>
+                <a:ea typeface="+mn-ea"/>
+                <a:cs typeface="+mn-cs"/>
+              </a:rPr>
+              <a:t>개가 있는 곳에 합류하려고 안달이 났겠죠</a:t>
+            </a:r>
+            <a:r>
+              <a:rPr lang="en-US" altLang="ko-KR" sz="1200" b="0" i="0" kern="1200" dirty="0" smtClean="0">
+                <a:solidFill>
+                  <a:schemeClr val="tx1"/>
+                </a:solidFill>
+                <a:effectLst/>
+                <a:latin typeface="+mn-lt"/>
+                <a:ea typeface="+mn-ea"/>
+                <a:cs typeface="+mn-cs"/>
+              </a:rPr>
+              <a:t>. </a:t>
+            </a:r>
+            <a:r>
+              <a:rPr lang="ko-KR" altLang="en-US" sz="1200" b="0" i="0" kern="1200" dirty="0" smtClean="0">
+                <a:solidFill>
+                  <a:schemeClr val="tx1"/>
+                </a:solidFill>
+                <a:effectLst/>
+                <a:latin typeface="+mn-lt"/>
+                <a:ea typeface="+mn-ea"/>
+                <a:cs typeface="+mn-cs"/>
+              </a:rPr>
+              <a:t>이렇게 해서 </a:t>
+            </a:r>
+            <a:r>
+              <a:rPr lang="ko-KR" altLang="en-US" sz="1200" b="0" i="0" kern="1200" dirty="0" err="1" smtClean="0">
+                <a:solidFill>
+                  <a:schemeClr val="tx1"/>
+                </a:solidFill>
+                <a:effectLst/>
+                <a:latin typeface="+mn-lt"/>
+                <a:ea typeface="+mn-ea"/>
+                <a:cs typeface="+mn-cs"/>
+              </a:rPr>
+              <a:t>오픈테이블</a:t>
+            </a:r>
+            <a:r>
+              <a:rPr lang="ko-KR" altLang="en-US" sz="1200" b="0" i="0" kern="1200" dirty="0" smtClean="0">
+                <a:solidFill>
+                  <a:schemeClr val="tx1"/>
+                </a:solidFill>
+                <a:effectLst/>
+                <a:latin typeface="+mn-lt"/>
+                <a:ea typeface="+mn-ea"/>
+                <a:cs typeface="+mn-cs"/>
+              </a:rPr>
+              <a:t> 웹사이트가 </a:t>
+            </a:r>
+            <a:r>
+              <a:rPr lang="ko-KR" altLang="en-US" sz="1200" b="0" i="0" kern="1200" dirty="0" err="1" smtClean="0">
+                <a:solidFill>
+                  <a:schemeClr val="tx1"/>
+                </a:solidFill>
+                <a:effectLst/>
+                <a:latin typeface="+mn-lt"/>
+                <a:ea typeface="+mn-ea"/>
+                <a:cs typeface="+mn-cs"/>
+              </a:rPr>
+              <a:t>임계치를</a:t>
+            </a:r>
+            <a:r>
+              <a:rPr lang="ko-KR" altLang="en-US" sz="1200" b="0" i="0" kern="1200" dirty="0" smtClean="0">
+                <a:solidFill>
+                  <a:schemeClr val="tx1"/>
+                </a:solidFill>
+                <a:effectLst/>
+                <a:latin typeface="+mn-lt"/>
+                <a:ea typeface="+mn-ea"/>
+                <a:cs typeface="+mn-cs"/>
+              </a:rPr>
+              <a:t> 향해 달리기 시작했습니다</a:t>
+            </a:r>
+            <a:r>
+              <a:rPr lang="en-US" altLang="ko-KR" sz="1200" b="0" i="0" kern="1200" dirty="0" smtClean="0">
+                <a:solidFill>
+                  <a:schemeClr val="tx1"/>
+                </a:solidFill>
+                <a:effectLst/>
+                <a:latin typeface="+mn-lt"/>
+                <a:ea typeface="+mn-ea"/>
+                <a:cs typeface="+mn-cs"/>
+              </a:rPr>
+              <a:t>.” </a:t>
+            </a:r>
+            <a:r>
+              <a:rPr lang="ko-KR" altLang="en-US" sz="1200" b="0" i="0" kern="1200" dirty="0" err="1" smtClean="0">
+                <a:solidFill>
+                  <a:schemeClr val="tx1"/>
+                </a:solidFill>
+                <a:effectLst/>
+                <a:latin typeface="+mn-lt"/>
+                <a:ea typeface="+mn-ea"/>
+                <a:cs typeface="+mn-cs"/>
+              </a:rPr>
+              <a:t>템플턴은</a:t>
+            </a:r>
+            <a:r>
+              <a:rPr lang="ko-KR" altLang="en-US" sz="1200" b="0" i="0" kern="1200" dirty="0" smtClean="0">
+                <a:solidFill>
+                  <a:schemeClr val="tx1"/>
+                </a:solidFill>
+                <a:effectLst/>
+                <a:latin typeface="+mn-lt"/>
+                <a:ea typeface="+mn-ea"/>
+                <a:cs typeface="+mn-cs"/>
+              </a:rPr>
+              <a:t> 각 레스토랑의 내부 </a:t>
+            </a:r>
+            <a:r>
+              <a:rPr lang="ko-KR" altLang="en-US" sz="1200" b="0" i="0" kern="1200" dirty="0" err="1" smtClean="0">
+                <a:solidFill>
+                  <a:schemeClr val="tx1"/>
+                </a:solidFill>
+                <a:effectLst/>
+                <a:latin typeface="+mn-lt"/>
+                <a:ea typeface="+mn-ea"/>
+                <a:cs typeface="+mn-cs"/>
+              </a:rPr>
+              <a:t>운영절차가</a:t>
+            </a:r>
+            <a:r>
+              <a:rPr lang="ko-KR" altLang="en-US" sz="1200" b="0" i="0" kern="1200" dirty="0" smtClean="0">
+                <a:solidFill>
+                  <a:schemeClr val="tx1"/>
+                </a:solidFill>
+                <a:effectLst/>
+                <a:latin typeface="+mn-lt"/>
+                <a:ea typeface="+mn-ea"/>
+                <a:cs typeface="+mn-cs"/>
+              </a:rPr>
+              <a:t> 고객이 레스토랑과 접촉하는 첫 관문인 예약 단계에 통합될 수 있도록 외식업계의 가치사슬을 재편성했다</a:t>
+            </a:r>
+            <a:r>
+              <a:rPr lang="en-US" altLang="ko-KR" sz="1200" b="0" i="0" kern="1200" dirty="0" smtClean="0">
+                <a:solidFill>
+                  <a:schemeClr val="tx1"/>
+                </a:solidFill>
+                <a:effectLst/>
+                <a:latin typeface="+mn-lt"/>
+                <a:ea typeface="+mn-ea"/>
+                <a:cs typeface="+mn-cs"/>
+              </a:rPr>
+              <a:t>.</a:t>
+            </a:r>
+            <a:r>
+              <a:rPr lang="ko-KR" altLang="en-US" sz="1200" b="0" i="0" kern="1200" dirty="0" smtClean="0">
+                <a:solidFill>
+                  <a:schemeClr val="tx1"/>
+                </a:solidFill>
+                <a:effectLst/>
+                <a:latin typeface="+mn-lt"/>
+                <a:ea typeface="+mn-ea"/>
+                <a:cs typeface="+mn-cs"/>
+              </a:rPr>
+              <a:t>오픈테이블은 고객의 선호도와 수요에 관한 정보를 담은 귀중한 자산 데이터의 통제권을 얻었고</a:t>
+            </a:r>
+            <a:r>
+              <a:rPr lang="en-US" altLang="ko-KR" sz="1200" b="0" i="0" kern="1200" dirty="0" smtClean="0">
+                <a:solidFill>
+                  <a:schemeClr val="tx1"/>
+                </a:solidFill>
+                <a:effectLst/>
+                <a:latin typeface="+mn-lt"/>
+                <a:ea typeface="+mn-ea"/>
+                <a:cs typeface="+mn-cs"/>
+              </a:rPr>
+              <a:t>, </a:t>
+            </a:r>
+            <a:r>
+              <a:rPr lang="ko-KR" altLang="en-US" sz="1200" b="0" i="0" kern="1200" dirty="0" smtClean="0">
+                <a:solidFill>
+                  <a:schemeClr val="tx1"/>
+                </a:solidFill>
+                <a:effectLst/>
+                <a:latin typeface="+mn-lt"/>
+                <a:ea typeface="+mn-ea"/>
+                <a:cs typeface="+mn-cs"/>
+              </a:rPr>
+              <a:t>새로 개업한 레스토랑의 성패를 좌우하는</a:t>
+            </a:r>
+            <a:r>
+              <a:rPr lang="en-US" altLang="ko-KR" sz="1200" b="0" i="0" kern="1200" dirty="0" smtClean="0">
+                <a:solidFill>
+                  <a:schemeClr val="tx1"/>
+                </a:solidFill>
+                <a:effectLst/>
+                <a:latin typeface="+mn-lt"/>
+                <a:ea typeface="+mn-ea"/>
+                <a:cs typeface="+mn-cs"/>
+              </a:rPr>
+              <a:t>, </a:t>
+            </a:r>
+            <a:r>
+              <a:rPr lang="ko-KR" altLang="en-US" sz="1200" b="0" i="0" kern="1200" dirty="0" smtClean="0">
+                <a:solidFill>
+                  <a:schemeClr val="tx1"/>
+                </a:solidFill>
+                <a:effectLst/>
+                <a:latin typeface="+mn-lt"/>
+                <a:ea typeface="+mn-ea"/>
+                <a:cs typeface="+mn-cs"/>
+              </a:rPr>
+              <a:t>절대 무시할 수 없는 플랫폼을 구축하게 됐다</a:t>
+            </a:r>
+            <a:r>
+              <a:rPr lang="en-US" altLang="ko-KR" sz="1200" b="0" i="0" kern="1200" dirty="0" smtClean="0">
+                <a:solidFill>
+                  <a:schemeClr val="tx1"/>
+                </a:solidFill>
+                <a:effectLst/>
+                <a:latin typeface="+mn-lt"/>
+                <a:ea typeface="+mn-ea"/>
+                <a:cs typeface="+mn-cs"/>
+              </a:rPr>
+              <a:t>. 2014</a:t>
+            </a:r>
+            <a:r>
+              <a:rPr lang="ko-KR" altLang="en-US" sz="1200" b="0" i="0" kern="1200" dirty="0" smtClean="0">
+                <a:solidFill>
+                  <a:schemeClr val="tx1"/>
+                </a:solidFill>
+                <a:effectLst/>
+                <a:latin typeface="+mn-lt"/>
+                <a:ea typeface="+mn-ea"/>
+                <a:cs typeface="+mn-cs"/>
+              </a:rPr>
+              <a:t>년 온라인 여행사 프라이스라인이 오픈테이블을 </a:t>
+            </a:r>
+            <a:r>
+              <a:rPr lang="en-US" altLang="ko-KR" sz="1200" b="0" i="0" kern="1200" dirty="0" smtClean="0">
+                <a:solidFill>
+                  <a:schemeClr val="tx1"/>
+                </a:solidFill>
+                <a:effectLst/>
+                <a:latin typeface="+mn-lt"/>
+                <a:ea typeface="+mn-ea"/>
+                <a:cs typeface="+mn-cs"/>
+              </a:rPr>
+              <a:t>26</a:t>
+            </a:r>
+            <a:r>
+              <a:rPr lang="ko-KR" altLang="en-US" sz="1200" b="0" i="0" kern="1200" dirty="0" smtClean="0">
+                <a:solidFill>
+                  <a:schemeClr val="tx1"/>
+                </a:solidFill>
+                <a:effectLst/>
+                <a:latin typeface="+mn-lt"/>
+                <a:ea typeface="+mn-ea"/>
+                <a:cs typeface="+mn-cs"/>
+              </a:rPr>
+              <a:t>억 달러에 인수하기로 한 배경에는</a:t>
+            </a:r>
+            <a:r>
+              <a:rPr lang="en-US" altLang="ko-KR" sz="1200" b="0" i="0" kern="1200" dirty="0" smtClean="0">
+                <a:solidFill>
+                  <a:schemeClr val="tx1"/>
+                </a:solidFill>
+                <a:effectLst/>
+                <a:latin typeface="+mn-lt"/>
+                <a:ea typeface="+mn-ea"/>
+                <a:cs typeface="+mn-cs"/>
+              </a:rPr>
+              <a:t>, </a:t>
+            </a:r>
+            <a:r>
+              <a:rPr lang="ko-KR" altLang="en-US" sz="1200" b="0" i="0" kern="1200" dirty="0" smtClean="0">
+                <a:solidFill>
+                  <a:schemeClr val="tx1"/>
+                </a:solidFill>
+                <a:effectLst/>
+                <a:latin typeface="+mn-lt"/>
+                <a:ea typeface="+mn-ea"/>
+                <a:cs typeface="+mn-cs"/>
+              </a:rPr>
+              <a:t>이처럼 강력한 업계 영향력이 있었다</a:t>
+            </a:r>
+            <a:r>
+              <a:rPr lang="en-US" altLang="ko-KR" sz="1200" b="0" i="0" kern="1200" dirty="0" smtClean="0">
+                <a:solidFill>
+                  <a:schemeClr val="tx1"/>
+                </a:solidFill>
+                <a:effectLst/>
+                <a:latin typeface="+mn-lt"/>
+                <a:ea typeface="+mn-ea"/>
+                <a:cs typeface="+mn-cs"/>
+              </a:rPr>
+              <a:t>.</a:t>
+            </a:r>
+            <a:endParaRPr lang="ko-KR" altLang="en-US" sz="1200" b="0" i="0" kern="1200" dirty="0" smtClean="0">
+              <a:solidFill>
+                <a:schemeClr val="tx1"/>
+              </a:solidFill>
+              <a:effectLst/>
+              <a:latin typeface="+mn-lt"/>
+              <a:ea typeface="+mn-ea"/>
+              <a:cs typeface="+mn-cs"/>
+            </a:endParaRPr>
+          </a:p>
+          <a:p>
+            <a:endParaRPr lang="en-US" altLang="ko-KR" dirty="0" smtClean="0"/>
+          </a:p>
+        </p:txBody>
+      </p:sp>
+      <p:sp>
+        <p:nvSpPr>
+          <p:cNvPr id="4" name="슬라이드 번호 개체 틀 3"/>
+          <p:cNvSpPr>
+            <a:spLocks noGrp="1"/>
+          </p:cNvSpPr>
+          <p:nvPr>
+            <p:ph type="sldNum" sz="quarter" idx="5"/>
+          </p:nvPr>
+        </p:nvSpPr>
+        <p:spPr/>
+        <p:txBody>
+          <a:bodyPr/>
+          <a:lstStyle/>
+          <a:p>
+            <a:fld id="{DAAE9E5F-77AC-46FE-B8BA-C3FC7458A187}" type="slidenum">
+              <a:rPr lang="ko-KR" altLang="en-US" smtClean="0"/>
+              <a:t>1</a:t>
+            </a:fld>
+            <a:endParaRPr lang="ko-KR" altLang="en-US"/>
+          </a:p>
+        </p:txBody>
+      </p:sp>
+    </p:spTree>
+    <p:extLst>
+      <p:ext uri="{BB962C8B-B14F-4D97-AF65-F5344CB8AC3E}">
+        <p14:creationId xmlns:p14="http://schemas.microsoft.com/office/powerpoint/2010/main" val="2360659105"/>
+      </p:ext>
+    </p:extLst>
+  </p:cSld>
+  <p:clrMapOvr>
+    <a:masterClrMapping/>
+  </p:clrMapOvr>
+</p:notes>
+</file>
+
+<file path=ppt/notesSlides/notesSlide2.xml><?xml version="1.0" encoding="utf-8"?>
+<p:notes xmlns:a="http://schemas.openxmlformats.org/drawingml/2006/main" xmlns:r="http://schemas.openxmlformats.org/officeDocument/2006/relationships" xmlns:p="http://schemas.openxmlformats.org/presentationml/2006/main">
+  <p:cSld>
+    <p:spTree>
+      <p:nvGrpSpPr>
+        <p:cNvPr id="1" name=""/>
+        <p:cNvGrpSpPr/>
+        <p:nvPr/>
+      </p:nvGrpSpPr>
+      <p:grpSpPr>
+        <a:xfrm>
+          <a:off x="0" y="0"/>
+          <a:ext cx="0" cy="0"/>
+          <a:chOff x="0" y="0"/>
+          <a:chExt cx="0" cy="0"/>
+        </a:xfrm>
+      </p:grpSpPr>
+      <p:sp>
+        <p:nvSpPr>
+          <p:cNvPr id="2" name="슬라이드 이미지 개체 틀 1"/>
+          <p:cNvSpPr>
+            <a:spLocks noGrp="1" noRot="1" noChangeAspect="1"/>
+          </p:cNvSpPr>
+          <p:nvPr>
+            <p:ph type="sldImg"/>
+          </p:nvPr>
+        </p:nvSpPr>
+        <p:spPr/>
+      </p:sp>
+      <p:sp>
+        <p:nvSpPr>
+          <p:cNvPr id="3" name="슬라이드 노트 개체 틀 2"/>
+          <p:cNvSpPr>
+            <a:spLocks noGrp="1"/>
+          </p:cNvSpPr>
+          <p:nvPr>
+            <p:ph type="body" idx="1"/>
+          </p:nvPr>
+        </p:nvSpPr>
+        <p:spPr/>
+        <p:txBody>
+          <a:bodyPr/>
+          <a:lstStyle/>
+          <a:p>
+            <a:r>
               <a:rPr lang="ko-KR" altLang="en-US" dirty="0" smtClean="0"/>
               <a:t>오픈테이블의 기존의 전략</a:t>
             </a:r>
@@ -1350,7 +2311,7 @@
           <a:p>
             <a:fld id="{DAAE9E5F-77AC-46FE-B8BA-C3FC7458A187}" type="slidenum">
               <a:rPr lang="ko-KR" altLang="en-US" smtClean="0"/>
-              <a:t>1</a:t>
+              <a:t>2</a:t>
             </a:fld>
             <a:endParaRPr lang="ko-KR" altLang="en-US"/>
           </a:p>
@@ -1516,7 +2477,7 @@
           <a:p>
             <a:fld id="{DD9EA884-7B6E-480A-8EBE-92A07450C0D9}" type="datetimeFigureOut">
               <a:rPr lang="ko-KR" altLang="en-US" smtClean="0"/>
-              <a:t>2018-09-29</a:t>
+              <a:t>2018-10-01</a:t>
             </a:fld>
             <a:endParaRPr lang="ko-KR" altLang="en-US"/>
           </a:p>
@@ -1714,7 +2675,7 @@
           <a:p>
             <a:fld id="{DD9EA884-7B6E-480A-8EBE-92A07450C0D9}" type="datetimeFigureOut">
               <a:rPr lang="ko-KR" altLang="en-US" smtClean="0"/>
-              <a:t>2018-09-29</a:t>
+              <a:t>2018-10-01</a:t>
             </a:fld>
             <a:endParaRPr lang="ko-KR" altLang="en-US"/>
           </a:p>
@@ -1922,7 +2883,7 @@
           <a:p>
             <a:fld id="{DD9EA884-7B6E-480A-8EBE-92A07450C0D9}" type="datetimeFigureOut">
               <a:rPr lang="ko-KR" altLang="en-US" smtClean="0"/>
-              <a:t>2018-09-29</a:t>
+              <a:t>2018-10-01</a:t>
             </a:fld>
             <a:endParaRPr lang="ko-KR" altLang="en-US"/>
           </a:p>
@@ -2120,7 +3081,7 @@
           <a:p>
             <a:fld id="{DD9EA884-7B6E-480A-8EBE-92A07450C0D9}" type="datetimeFigureOut">
               <a:rPr lang="ko-KR" altLang="en-US" smtClean="0"/>
-              <a:t>2018-09-29</a:t>
+              <a:t>2018-10-01</a:t>
             </a:fld>
             <a:endParaRPr lang="ko-KR" altLang="en-US"/>
           </a:p>
@@ -2395,7 +3356,7 @@
           <a:p>
             <a:fld id="{DD9EA884-7B6E-480A-8EBE-92A07450C0D9}" type="datetimeFigureOut">
               <a:rPr lang="ko-KR" altLang="en-US" smtClean="0"/>
-              <a:t>2018-09-29</a:t>
+              <a:t>2018-10-01</a:t>
             </a:fld>
             <a:endParaRPr lang="ko-KR" altLang="en-US"/>
           </a:p>
@@ -2660,7 +3621,7 @@
           <a:p>
             <a:fld id="{DD9EA884-7B6E-480A-8EBE-92A07450C0D9}" type="datetimeFigureOut">
               <a:rPr lang="ko-KR" altLang="en-US" smtClean="0"/>
-              <a:t>2018-09-29</a:t>
+              <a:t>2018-10-01</a:t>
             </a:fld>
             <a:endParaRPr lang="ko-KR" altLang="en-US"/>
           </a:p>
@@ -3072,7 +4033,7 @@
           <a:p>
             <a:fld id="{DD9EA884-7B6E-480A-8EBE-92A07450C0D9}" type="datetimeFigureOut">
               <a:rPr lang="ko-KR" altLang="en-US" smtClean="0"/>
-              <a:t>2018-09-29</a:t>
+              <a:t>2018-10-01</a:t>
             </a:fld>
             <a:endParaRPr lang="ko-KR" altLang="en-US"/>
           </a:p>
@@ -3213,7 +4174,7 @@
           <a:p>
             <a:fld id="{DD9EA884-7B6E-480A-8EBE-92A07450C0D9}" type="datetimeFigureOut">
               <a:rPr lang="ko-KR" altLang="en-US" smtClean="0"/>
-              <a:t>2018-09-29</a:t>
+              <a:t>2018-10-01</a:t>
             </a:fld>
             <a:endParaRPr lang="ko-KR" altLang="en-US"/>
           </a:p>
@@ -3326,7 +4287,7 @@
           <a:p>
             <a:fld id="{DD9EA884-7B6E-480A-8EBE-92A07450C0D9}" type="datetimeFigureOut">
               <a:rPr lang="ko-KR" altLang="en-US" smtClean="0"/>
-              <a:t>2018-09-29</a:t>
+              <a:t>2018-10-01</a:t>
             </a:fld>
             <a:endParaRPr lang="ko-KR" altLang="en-US"/>
           </a:p>
@@ -3637,7 +4598,7 @@
           <a:p>
             <a:fld id="{DD9EA884-7B6E-480A-8EBE-92A07450C0D9}" type="datetimeFigureOut">
               <a:rPr lang="ko-KR" altLang="en-US" smtClean="0"/>
-              <a:t>2018-09-29</a:t>
+              <a:t>2018-10-01</a:t>
             </a:fld>
             <a:endParaRPr lang="ko-KR" altLang="en-US"/>
           </a:p>
@@ -3925,7 +4886,7 @@
           <a:p>
             <a:fld id="{DD9EA884-7B6E-480A-8EBE-92A07450C0D9}" type="datetimeFigureOut">
               <a:rPr lang="ko-KR" altLang="en-US" smtClean="0"/>
-              <a:t>2018-09-29</a:t>
+              <a:t>2018-10-01</a:t>
             </a:fld>
             <a:endParaRPr lang="ko-KR" altLang="en-US"/>
           </a:p>
@@ -4166,7 +5127,7 @@
           <a:p>
             <a:fld id="{DD9EA884-7B6E-480A-8EBE-92A07450C0D9}" type="datetimeFigureOut">
               <a:rPr lang="ko-KR" altLang="en-US" smtClean="0"/>
-              <a:t>2018-09-29</a:t>
+              <a:t>2018-10-01</a:t>
             </a:fld>
             <a:endParaRPr lang="ko-KR" altLang="en-US"/>
           </a:p>
@@ -4567,6 +5528,443 @@
 </file>
 
 <file path=ppt/slides/slide1.xml><?xml version="1.0" encoding="utf-8"?>
+<p:sld xmlns:a="http://schemas.openxmlformats.org/drawingml/2006/main" xmlns:r="http://schemas.openxmlformats.org/officeDocument/2006/relationships" xmlns:p="http://schemas.openxmlformats.org/presentationml/2006/main">
+  <p:cSld>
+    <p:bg>
+      <p:bgPr>
+        <a:blipFill dpi="0" rotWithShape="1">
+          <a:blip r:embed="rId3">
+            <a:alphaModFix amt="57000"/>
+            <a:lum/>
+          </a:blip>
+          <a:srcRect/>
+          <a:stretch>
+            <a:fillRect t="-9000" b="-9000"/>
+          </a:stretch>
+        </a:blipFill>
+        <a:effectLst/>
+      </p:bgPr>
+    </p:bg>
+    <p:spTree>
+      <p:nvGrpSpPr>
+        <p:cNvPr id="1" name=""/>
+        <p:cNvGrpSpPr/>
+        <p:nvPr/>
+      </p:nvGrpSpPr>
+      <p:grpSpPr>
+        <a:xfrm>
+          <a:off x="0" y="0"/>
+          <a:ext cx="0" cy="0"/>
+          <a:chOff x="0" y="0"/>
+          <a:chExt cx="0" cy="0"/>
+        </a:xfrm>
+      </p:grpSpPr>
+      <p:sp>
+        <p:nvSpPr>
+          <p:cNvPr id="5" name="TextBox 4">
+            <a:extLst>
+              <a:ext uri="{FF2B5EF4-FFF2-40B4-BE49-F238E27FC236}">
+                <a16:creationId xmlns:a16="http://schemas.microsoft.com/office/drawing/2014/main" id="{C3CC519E-96E7-4BFB-BCF9-7AB6606BB3EA}"/>
+              </a:ext>
+            </a:extLst>
+          </p:cNvPr>
+          <p:cNvSpPr txBox="1"/>
+          <p:nvPr/>
+        </p:nvSpPr>
+        <p:spPr>
+          <a:xfrm>
+            <a:off x="0" y="6903720"/>
+            <a:ext cx="10533713" cy="954107"/>
+          </a:xfrm>
+          <a:prstGeom prst="rect">
+            <a:avLst/>
+          </a:prstGeom>
+          <a:noFill/>
+        </p:spPr>
+        <p:txBody>
+          <a:bodyPr wrap="square" rtlCol="0">
+            <a:spAutoFit/>
+          </a:bodyPr>
+          <a:lstStyle/>
+          <a:p>
+            <a:r>
+              <a:rPr lang="ko-KR" altLang="en-US" sz="2800" dirty="0" smtClean="0">
+                <a:latin typeface="나눔바른고딕" panose="020B0603020101020101" pitchFamily="50" charset="-127"/>
+                <a:ea typeface="나눔바른고딕" panose="020B0603020101020101" pitchFamily="50" charset="-127"/>
+                <a:cs typeface="함초롬돋움" panose="02030504000101010101" pitchFamily="18" charset="-127"/>
+              </a:rPr>
+              <a:t>오픈테이블은 기존의 어떤 마케팅을 진행하였으나</a:t>
+            </a:r>
+            <a:endParaRPr lang="en-US" altLang="ko-KR" sz="2800" dirty="0" smtClean="0">
+              <a:latin typeface="나눔바른고딕" panose="020B0603020101020101" pitchFamily="50" charset="-127"/>
+              <a:ea typeface="나눔바른고딕" panose="020B0603020101020101" pitchFamily="50" charset="-127"/>
+              <a:cs typeface="함초롬돋움" panose="02030504000101010101" pitchFamily="18" charset="-127"/>
+            </a:endParaRPr>
+          </a:p>
+          <a:p>
+            <a:r>
+              <a:rPr lang="ko-KR" altLang="en-US" sz="2800" dirty="0" smtClean="0">
+                <a:latin typeface="나눔바른고딕" panose="020B0603020101020101" pitchFamily="50" charset="-127"/>
+                <a:ea typeface="나눔바른고딕" panose="020B0603020101020101" pitchFamily="50" charset="-127"/>
+                <a:cs typeface="함초롬돋움" panose="02030504000101010101" pitchFamily="18" charset="-127"/>
+              </a:rPr>
+              <a:t>성공하기 위해서 어떤 마케팅 전략으로 진행하였고</a:t>
+            </a:r>
+            <a:r>
+              <a:rPr lang="en-US" altLang="ko-KR" sz="2800" dirty="0" smtClean="0">
+                <a:latin typeface="나눔바른고딕" panose="020B0603020101020101" pitchFamily="50" charset="-127"/>
+                <a:ea typeface="나눔바른고딕" panose="020B0603020101020101" pitchFamily="50" charset="-127"/>
+                <a:cs typeface="함초롬돋움" panose="02030504000101010101" pitchFamily="18" charset="-127"/>
+              </a:rPr>
+              <a:t>(</a:t>
+            </a:r>
+            <a:r>
+              <a:rPr lang="ko-KR" altLang="en-US" sz="2800" dirty="0" smtClean="0">
+                <a:latin typeface="나눔바른고딕" panose="020B0603020101020101" pitchFamily="50" charset="-127"/>
+                <a:ea typeface="나눔바른고딕" panose="020B0603020101020101" pitchFamily="50" charset="-127"/>
+                <a:cs typeface="함초롬돋움" panose="02030504000101010101" pitchFamily="18" charset="-127"/>
+              </a:rPr>
+              <a:t>변경하였다</a:t>
+            </a:r>
+            <a:r>
+              <a:rPr lang="en-US" altLang="ko-KR" sz="2800" dirty="0" smtClean="0">
+                <a:latin typeface="나눔바른고딕" panose="020B0603020101020101" pitchFamily="50" charset="-127"/>
+                <a:ea typeface="나눔바른고딕" panose="020B0603020101020101" pitchFamily="50" charset="-127"/>
+                <a:cs typeface="함초롬돋움" panose="02030504000101010101" pitchFamily="18" charset="-127"/>
+              </a:rPr>
+              <a:t>.)</a:t>
+            </a:r>
+            <a:endParaRPr lang="en-US" altLang="ko-KR" dirty="0">
+              <a:latin typeface="나눔바른고딕" panose="020B0603020101020101" pitchFamily="50" charset="-127"/>
+              <a:ea typeface="나눔바른고딕" panose="020B0603020101020101" pitchFamily="50" charset="-127"/>
+              <a:cs typeface="함초롬돋움" panose="02030504000101010101" pitchFamily="18" charset="-127"/>
+            </a:endParaRPr>
+          </a:p>
+        </p:txBody>
+      </p:sp>
+      <p:sp>
+        <p:nvSpPr>
+          <p:cNvPr id="7" name="직사각형 6">
+            <a:extLst>
+              <a:ext uri="{FF2B5EF4-FFF2-40B4-BE49-F238E27FC236}">
+                <a16:creationId xmlns:a16="http://schemas.microsoft.com/office/drawing/2014/main" id="{C63985C7-3E20-425D-9776-3834D3F6D353}"/>
+              </a:ext>
+            </a:extLst>
+          </p:cNvPr>
+          <p:cNvSpPr/>
+          <p:nvPr/>
+        </p:nvSpPr>
+        <p:spPr>
+          <a:xfrm>
+            <a:off x="794749" y="596137"/>
+            <a:ext cx="2653290" cy="923330"/>
+          </a:xfrm>
+          <a:prstGeom prst="rect">
+            <a:avLst/>
+          </a:prstGeom>
+        </p:spPr>
+        <p:txBody>
+          <a:bodyPr wrap="none">
+            <a:spAutoFit/>
+          </a:bodyPr>
+          <a:lstStyle/>
+          <a:p>
+            <a:r>
+              <a:rPr lang="ko-KR" altLang="en-US" sz="5400" dirty="0" err="1" smtClean="0">
+                <a:solidFill>
+                  <a:schemeClr val="bg1"/>
+                </a:solidFill>
+                <a:latin typeface="나눔바른고딕" panose="020B0603020101020101" pitchFamily="50" charset="-127"/>
+                <a:ea typeface="나눔바른고딕" panose="020B0603020101020101" pitchFamily="50" charset="-127"/>
+                <a:cs typeface="함초롬돋움" panose="02030504000101010101" pitchFamily="18" charset="-127"/>
+              </a:rPr>
+              <a:t>운영전략</a:t>
+            </a:r>
+            <a:endParaRPr lang="en-US" altLang="ko-KR" sz="5400" dirty="0">
+              <a:solidFill>
+                <a:schemeClr val="bg1"/>
+              </a:solidFill>
+              <a:latin typeface="나눔바른고딕" panose="020B0603020101020101" pitchFamily="50" charset="-127"/>
+              <a:ea typeface="나눔바른고딕" panose="020B0603020101020101" pitchFamily="50" charset="-127"/>
+              <a:cs typeface="함초롬돋움" panose="02030504000101010101" pitchFamily="18" charset="-127"/>
+            </a:endParaRPr>
+          </a:p>
+        </p:txBody>
+      </p:sp>
+      <p:sp>
+        <p:nvSpPr>
+          <p:cNvPr id="2" name="TextBox 1"/>
+          <p:cNvSpPr txBox="1"/>
+          <p:nvPr/>
+        </p:nvSpPr>
+        <p:spPr>
+          <a:xfrm>
+            <a:off x="2029189" y="2270760"/>
+            <a:ext cx="2465740" cy="523220"/>
+          </a:xfrm>
+          <a:prstGeom prst="rect">
+            <a:avLst/>
+          </a:prstGeom>
+          <a:noFill/>
+        </p:spPr>
+        <p:txBody>
+          <a:bodyPr wrap="none" rtlCol="0">
+            <a:spAutoFit/>
+          </a:bodyPr>
+          <a:lstStyle/>
+          <a:p>
+            <a:r>
+              <a:rPr lang="ko-KR" altLang="en-US" sz="2800" b="1" dirty="0" smtClean="0"/>
+              <a:t>기존의 마케팅</a:t>
+            </a:r>
+            <a:endParaRPr lang="ko-KR" altLang="en-US" sz="2800" b="1" dirty="0"/>
+          </a:p>
+        </p:txBody>
+      </p:sp>
+      <p:sp>
+        <p:nvSpPr>
+          <p:cNvPr id="6" name="TextBox 5"/>
+          <p:cNvSpPr txBox="1"/>
+          <p:nvPr/>
+        </p:nvSpPr>
+        <p:spPr>
+          <a:xfrm>
+            <a:off x="7408909" y="2270760"/>
+            <a:ext cx="2465740" cy="523220"/>
+          </a:xfrm>
+          <a:prstGeom prst="rect">
+            <a:avLst/>
+          </a:prstGeom>
+          <a:noFill/>
+        </p:spPr>
+        <p:txBody>
+          <a:bodyPr wrap="none" rtlCol="0">
+            <a:spAutoFit/>
+          </a:bodyPr>
+          <a:lstStyle/>
+          <a:p>
+            <a:r>
+              <a:rPr lang="ko-KR" altLang="en-US" sz="2800" b="1" dirty="0" smtClean="0"/>
+              <a:t>변경한 마케팅</a:t>
+            </a:r>
+            <a:endParaRPr lang="ko-KR" altLang="en-US" sz="2800" b="1" dirty="0"/>
+          </a:p>
+        </p:txBody>
+      </p:sp>
+      <p:sp>
+        <p:nvSpPr>
+          <p:cNvPr id="3" name="TextBox 2"/>
+          <p:cNvSpPr txBox="1"/>
+          <p:nvPr/>
+        </p:nvSpPr>
+        <p:spPr>
+          <a:xfrm>
+            <a:off x="794749" y="3058624"/>
+            <a:ext cx="5125121" cy="2431435"/>
+          </a:xfrm>
+          <a:prstGeom prst="rect">
+            <a:avLst/>
+          </a:prstGeom>
+          <a:noFill/>
+        </p:spPr>
+        <p:txBody>
+          <a:bodyPr wrap="none" rtlCol="0">
+            <a:spAutoFit/>
+          </a:bodyPr>
+          <a:lstStyle/>
+          <a:p>
+            <a:r>
+              <a:rPr lang="ko-KR" altLang="en-US" sz="2400" b="1" dirty="0" smtClean="0"/>
+              <a:t>고객의 입장</a:t>
+            </a:r>
+            <a:endParaRPr lang="en-US" altLang="ko-KR" sz="2400" b="1" dirty="0" smtClean="0"/>
+          </a:p>
+          <a:p>
+            <a:r>
+              <a:rPr lang="ko-KR" altLang="en-US" sz="2000" b="1" dirty="0" smtClean="0"/>
+              <a:t>전화로 저녁식사를 예약하는 일을 </a:t>
+            </a:r>
+            <a:endParaRPr lang="en-US" altLang="ko-KR" sz="2000" b="1" dirty="0" smtClean="0"/>
+          </a:p>
+          <a:p>
+            <a:r>
+              <a:rPr lang="ko-KR" altLang="en-US" sz="2000" b="1" dirty="0" smtClean="0"/>
+              <a:t>예약 플랫폼으로 </a:t>
+            </a:r>
+            <a:r>
+              <a:rPr lang="ko-KR" altLang="en-US" sz="2000" b="1" dirty="0" err="1" smtClean="0"/>
+              <a:t>예약업무를</a:t>
+            </a:r>
+            <a:r>
+              <a:rPr lang="ko-KR" altLang="en-US" sz="2000" b="1" dirty="0" smtClean="0"/>
+              <a:t> 대신 해준다</a:t>
+            </a:r>
+            <a:r>
+              <a:rPr lang="en-US" altLang="ko-KR" sz="2000" b="1" dirty="0" smtClean="0"/>
+              <a:t>.</a:t>
+            </a:r>
+          </a:p>
+          <a:p>
+            <a:endParaRPr lang="en-US" altLang="ko-KR" sz="2400" b="1" dirty="0"/>
+          </a:p>
+          <a:p>
+            <a:r>
+              <a:rPr lang="ko-KR" altLang="en-US" sz="2400" b="1" dirty="0" smtClean="0"/>
+              <a:t>레스토랑의 입장</a:t>
+            </a:r>
+            <a:endParaRPr lang="en-US" altLang="ko-KR" sz="2400" b="1" dirty="0" smtClean="0"/>
+          </a:p>
+          <a:p>
+            <a:r>
+              <a:rPr lang="ko-KR" altLang="en-US" sz="2000" b="1" dirty="0" smtClean="0"/>
+              <a:t>상위 </a:t>
+            </a:r>
+            <a:r>
+              <a:rPr lang="en-US" altLang="ko-KR" sz="2000" b="1" dirty="0" smtClean="0"/>
+              <a:t>20</a:t>
+            </a:r>
+            <a:r>
+              <a:rPr lang="ko-KR" altLang="en-US" sz="2000" b="1" dirty="0" smtClean="0"/>
+              <a:t>개의 레스토랑 및 가장 영향력 있는</a:t>
+            </a:r>
+            <a:endParaRPr lang="en-US" altLang="ko-KR" sz="2000" b="1" dirty="0" smtClean="0"/>
+          </a:p>
+          <a:p>
+            <a:r>
+              <a:rPr lang="ko-KR" altLang="en-US" sz="2000" b="1" dirty="0" smtClean="0"/>
+              <a:t>레스토랑을 공략하였다</a:t>
+            </a:r>
+            <a:r>
+              <a:rPr lang="en-US" altLang="ko-KR" sz="2000" b="1" dirty="0" smtClean="0"/>
+              <a:t>.</a:t>
+            </a:r>
+          </a:p>
+        </p:txBody>
+      </p:sp>
+      <p:sp>
+        <p:nvSpPr>
+          <p:cNvPr id="8" name="TextBox 7"/>
+          <p:cNvSpPr txBox="1"/>
+          <p:nvPr/>
+        </p:nvSpPr>
+        <p:spPr>
+          <a:xfrm>
+            <a:off x="6370320" y="3058624"/>
+            <a:ext cx="4612160" cy="2739211"/>
+          </a:xfrm>
+          <a:prstGeom prst="rect">
+            <a:avLst/>
+          </a:prstGeom>
+          <a:noFill/>
+        </p:spPr>
+        <p:txBody>
+          <a:bodyPr wrap="none" rtlCol="0">
+            <a:spAutoFit/>
+          </a:bodyPr>
+          <a:lstStyle/>
+          <a:p>
+            <a:r>
+              <a:rPr lang="ko-KR" altLang="en-US" sz="2400" b="1" dirty="0" smtClean="0"/>
+              <a:t>고객의 입장</a:t>
+            </a:r>
+            <a:endParaRPr lang="en-US" altLang="ko-KR" sz="2400" b="1" dirty="0" smtClean="0"/>
+          </a:p>
+          <a:p>
+            <a:r>
+              <a:rPr lang="ko-KR" altLang="en-US" sz="2000" b="1" dirty="0" err="1" smtClean="0"/>
+              <a:t>예약업무</a:t>
+            </a:r>
+            <a:r>
+              <a:rPr lang="ko-KR" altLang="en-US" sz="2000" b="1" dirty="0" smtClean="0"/>
+              <a:t> 뿐만 아니라 좌석관리까지 </a:t>
+            </a:r>
+            <a:endParaRPr lang="en-US" altLang="ko-KR" sz="2000" b="1" dirty="0" smtClean="0"/>
+          </a:p>
+          <a:p>
+            <a:r>
+              <a:rPr lang="ko-KR" altLang="en-US" sz="2000" b="1" dirty="0" smtClean="0"/>
+              <a:t>병행하여 온라인 중개서비스를 구상</a:t>
+            </a:r>
+            <a:endParaRPr lang="en-US" altLang="ko-KR" sz="2000" b="1" dirty="0" smtClean="0"/>
+          </a:p>
+          <a:p>
+            <a:endParaRPr lang="en-US" altLang="ko-KR" sz="2400" b="1" dirty="0"/>
+          </a:p>
+          <a:p>
+            <a:r>
+              <a:rPr lang="ko-KR" altLang="en-US" sz="2400" b="1" dirty="0" smtClean="0"/>
+              <a:t>레스토랑의 입장</a:t>
+            </a:r>
+            <a:endParaRPr lang="en-US" altLang="ko-KR" sz="2400" b="1" dirty="0" smtClean="0"/>
+          </a:p>
+          <a:p>
+            <a:r>
+              <a:rPr lang="ko-KR" altLang="en-US" sz="2000" b="1" dirty="0" smtClean="0"/>
+              <a:t>상위 </a:t>
+            </a:r>
+            <a:r>
+              <a:rPr lang="en-US" altLang="ko-KR" sz="2000" b="1" dirty="0" smtClean="0"/>
+              <a:t>20</a:t>
+            </a:r>
+            <a:r>
+              <a:rPr lang="ko-KR" altLang="en-US" sz="2000" b="1" dirty="0" smtClean="0"/>
+              <a:t>개의 기업을 유치하니 그 다음 </a:t>
+            </a:r>
+            <a:endParaRPr lang="en-US" altLang="ko-KR" sz="2000" b="1" dirty="0" smtClean="0"/>
+          </a:p>
+          <a:p>
+            <a:r>
+              <a:rPr lang="ko-KR" altLang="en-US" sz="2000" b="1" dirty="0" smtClean="0"/>
+              <a:t>상위 </a:t>
+            </a:r>
+            <a:r>
+              <a:rPr lang="en-US" altLang="ko-KR" sz="2000" b="1" dirty="0" smtClean="0"/>
+              <a:t>50</a:t>
+            </a:r>
+            <a:r>
+              <a:rPr lang="ko-KR" altLang="en-US" sz="2000" b="1" dirty="0" smtClean="0"/>
+              <a:t>개의</a:t>
+            </a:r>
+            <a:r>
+              <a:rPr lang="en-US" altLang="ko-KR" sz="2000" b="1" dirty="0"/>
+              <a:t> </a:t>
+            </a:r>
+            <a:r>
+              <a:rPr lang="ko-KR" altLang="en-US" sz="2000" b="1" dirty="0" smtClean="0"/>
+              <a:t>레스토랑은 합류하려고 </a:t>
+            </a:r>
+            <a:endParaRPr lang="en-US" altLang="ko-KR" sz="2000" b="1" dirty="0" smtClean="0"/>
+          </a:p>
+          <a:p>
+            <a:r>
+              <a:rPr lang="ko-KR" altLang="en-US" sz="2000" b="1" dirty="0" smtClean="0"/>
+              <a:t>하였음</a:t>
+            </a:r>
+            <a:endParaRPr lang="en-US" altLang="ko-KR" sz="2000" b="1" dirty="0" smtClean="0"/>
+          </a:p>
+        </p:txBody>
+      </p:sp>
+    </p:spTree>
+    <p:extLst>
+      <p:ext uri="{BB962C8B-B14F-4D97-AF65-F5344CB8AC3E}">
+        <p14:creationId xmlns:p14="http://schemas.microsoft.com/office/powerpoint/2010/main" val="801268048"/>
+      </p:ext>
+    </p:extLst>
+  </p:cSld>
+  <p:clrMapOvr>
+    <a:masterClrMapping/>
+  </p:clrMapOvr>
+  <p:timing>
+    <p:tnLst>
+      <p:par>
+        <p:cTn id="1" dur="indefinite" restart="never" nodeType="tmRoot"/>
+      </p:par>
+    </p:tnLst>
+  </p:timing>
+</p:sld>
+</file>
+
+<file path=ppt/slides/slide2.xml><?xml version="1.0" encoding="utf-8"?>
 <p:sld xmlns:a="http://schemas.openxmlformats.org/drawingml/2006/main" xmlns:r="http://schemas.openxmlformats.org/officeDocument/2006/relationships" xmlns:p="http://schemas.openxmlformats.org/presentationml/2006/main">
   <p:cSld>
     <p:bg>
